--- a/content/images/aws-academy/37500000-autoscaling.pptx
+++ b/content/images/aws-academy/37500000-autoscaling.pptx
@@ -6,6 +6,7 @@
   </p:sldMasterIdLst>
   <p:sldIdLst>
     <p:sldId id="256" r:id="rId2"/>
+    <p:sldId id="257" r:id="rId3"/>
   </p:sldIdLst>
   <p:sldSz cx="12192000" cy="6858000"/>
   <p:notesSz cx="6858000" cy="9144000"/>
@@ -272,7 +273,7 @@
           <a:p>
             <a:fld id="{33843C58-F28F-47D3-B1B5-9374208237CE}" type="datetimeFigureOut">
               <a:rPr lang="en-GB" smtClean="0"/>
-              <a:t>29/06/2022</a:t>
+              <a:t>02/07/2022</a:t>
             </a:fld>
             <a:endParaRPr lang="en-GB"/>
           </a:p>
@@ -472,7 +473,7 @@
           <a:p>
             <a:fld id="{33843C58-F28F-47D3-B1B5-9374208237CE}" type="datetimeFigureOut">
               <a:rPr lang="en-GB" smtClean="0"/>
-              <a:t>29/06/2022</a:t>
+              <a:t>02/07/2022</a:t>
             </a:fld>
             <a:endParaRPr lang="en-GB"/>
           </a:p>
@@ -682,7 +683,7 @@
           <a:p>
             <a:fld id="{33843C58-F28F-47D3-B1B5-9374208237CE}" type="datetimeFigureOut">
               <a:rPr lang="en-GB" smtClean="0"/>
-              <a:t>29/06/2022</a:t>
+              <a:t>02/07/2022</a:t>
             </a:fld>
             <a:endParaRPr lang="en-GB"/>
           </a:p>
@@ -882,7 +883,7 @@
           <a:p>
             <a:fld id="{33843C58-F28F-47D3-B1B5-9374208237CE}" type="datetimeFigureOut">
               <a:rPr lang="en-GB" smtClean="0"/>
-              <a:t>29/06/2022</a:t>
+              <a:t>02/07/2022</a:t>
             </a:fld>
             <a:endParaRPr lang="en-GB"/>
           </a:p>
@@ -1158,7 +1159,7 @@
           <a:p>
             <a:fld id="{33843C58-F28F-47D3-B1B5-9374208237CE}" type="datetimeFigureOut">
               <a:rPr lang="en-GB" smtClean="0"/>
-              <a:t>29/06/2022</a:t>
+              <a:t>02/07/2022</a:t>
             </a:fld>
             <a:endParaRPr lang="en-GB"/>
           </a:p>
@@ -1426,7 +1427,7 @@
           <a:p>
             <a:fld id="{33843C58-F28F-47D3-B1B5-9374208237CE}" type="datetimeFigureOut">
               <a:rPr lang="en-GB" smtClean="0"/>
-              <a:t>29/06/2022</a:t>
+              <a:t>02/07/2022</a:t>
             </a:fld>
             <a:endParaRPr lang="en-GB"/>
           </a:p>
@@ -1841,7 +1842,7 @@
           <a:p>
             <a:fld id="{33843C58-F28F-47D3-B1B5-9374208237CE}" type="datetimeFigureOut">
               <a:rPr lang="en-GB" smtClean="0"/>
-              <a:t>29/06/2022</a:t>
+              <a:t>02/07/2022</a:t>
             </a:fld>
             <a:endParaRPr lang="en-GB"/>
           </a:p>
@@ -1983,7 +1984,7 @@
           <a:p>
             <a:fld id="{33843C58-F28F-47D3-B1B5-9374208237CE}" type="datetimeFigureOut">
               <a:rPr lang="en-GB" smtClean="0"/>
-              <a:t>29/06/2022</a:t>
+              <a:t>02/07/2022</a:t>
             </a:fld>
             <a:endParaRPr lang="en-GB"/>
           </a:p>
@@ -2096,7 +2097,7 @@
           <a:p>
             <a:fld id="{33843C58-F28F-47D3-B1B5-9374208237CE}" type="datetimeFigureOut">
               <a:rPr lang="en-GB" smtClean="0"/>
-              <a:t>29/06/2022</a:t>
+              <a:t>02/07/2022</a:t>
             </a:fld>
             <a:endParaRPr lang="en-GB"/>
           </a:p>
@@ -2409,7 +2410,7 @@
           <a:p>
             <a:fld id="{33843C58-F28F-47D3-B1B5-9374208237CE}" type="datetimeFigureOut">
               <a:rPr lang="en-GB" smtClean="0"/>
-              <a:t>29/06/2022</a:t>
+              <a:t>02/07/2022</a:t>
             </a:fld>
             <a:endParaRPr lang="en-GB"/>
           </a:p>
@@ -2698,7 +2699,7 @@
           <a:p>
             <a:fld id="{33843C58-F28F-47D3-B1B5-9374208237CE}" type="datetimeFigureOut">
               <a:rPr lang="en-GB" smtClean="0"/>
-              <a:t>29/06/2022</a:t>
+              <a:t>02/07/2022</a:t>
             </a:fld>
             <a:endParaRPr lang="en-GB"/>
           </a:p>
@@ -2941,7 +2942,7 @@
           <a:p>
             <a:fld id="{33843C58-F28F-47D3-B1B5-9374208237CE}" type="datetimeFigureOut">
               <a:rPr lang="en-GB" smtClean="0"/>
-              <a:t>29/06/2022</a:t>
+              <a:t>02/07/2022</a:t>
             </a:fld>
             <a:endParaRPr lang="en-GB"/>
           </a:p>
@@ -6752,6 +6753,598 @@
 </p:sld>
 </file>
 
+<file path=ppt/slides/slide2.xml><?xml version="1.0" encoding="utf-8"?>
+<p:sld xmlns:a="http://schemas.openxmlformats.org/drawingml/2006/main" xmlns:r="http://schemas.openxmlformats.org/officeDocument/2006/relationships" xmlns:p="http://schemas.openxmlformats.org/presentationml/2006/main">
+  <p:cSld>
+    <p:spTree>
+      <p:nvGrpSpPr>
+        <p:cNvPr id="1" name=""/>
+        <p:cNvGrpSpPr/>
+        <p:nvPr/>
+      </p:nvGrpSpPr>
+      <p:grpSpPr>
+        <a:xfrm>
+          <a:off x="0" y="0"/>
+          <a:ext cx="0" cy="0"/>
+          <a:chOff x="0" y="0"/>
+          <a:chExt cx="0" cy="0"/>
+        </a:xfrm>
+      </p:grpSpPr>
+      <p:sp>
+        <p:nvSpPr>
+          <p:cNvPr id="6" name="Rectangle: Rounded Corners 5">
+            <a:extLst>
+              <a:ext uri="{FF2B5EF4-FFF2-40B4-BE49-F238E27FC236}">
+                <a16:creationId xmlns:a16="http://schemas.microsoft.com/office/drawing/2014/main" id="{49266F5B-58F6-4CBC-B08D-27487D66FA99}"/>
+              </a:ext>
+            </a:extLst>
+          </p:cNvPr>
+          <p:cNvSpPr/>
+          <p:nvPr/>
+        </p:nvSpPr>
+        <p:spPr>
+          <a:xfrm>
+            <a:off x="2734235" y="977153"/>
+            <a:ext cx="1649506" cy="1246121"/>
+          </a:xfrm>
+          <a:prstGeom prst="roundRect">
+            <a:avLst/>
+          </a:prstGeom>
+          <a:noFill/>
+        </p:spPr>
+        <p:style>
+          <a:lnRef idx="2">
+            <a:schemeClr val="accent1">
+              <a:shade val="50000"/>
+            </a:schemeClr>
+          </a:lnRef>
+          <a:fillRef idx="1">
+            <a:schemeClr val="accent1"/>
+          </a:fillRef>
+          <a:effectRef idx="0">
+            <a:schemeClr val="accent1"/>
+          </a:effectRef>
+          <a:fontRef idx="minor">
+            <a:schemeClr val="lt1"/>
+          </a:fontRef>
+        </p:style>
+        <p:txBody>
+          <a:bodyPr rtlCol="0" anchor="ctr"/>
+          <a:lstStyle/>
+          <a:p>
+            <a:pPr algn="ctr"/>
+            <a:endParaRPr lang="en-GB"/>
+          </a:p>
+        </p:txBody>
+      </p:sp>
+      <p:grpSp>
+        <p:nvGrpSpPr>
+          <p:cNvPr id="7" name="Group 6">
+            <a:extLst>
+              <a:ext uri="{FF2B5EF4-FFF2-40B4-BE49-F238E27FC236}">
+                <a16:creationId xmlns:a16="http://schemas.microsoft.com/office/drawing/2014/main" id="{05B96D3F-6D3B-4CEC-9D23-A92C435748A6}"/>
+              </a:ext>
+            </a:extLst>
+          </p:cNvPr>
+          <p:cNvGrpSpPr/>
+          <p:nvPr/>
+        </p:nvGrpSpPr>
+        <p:grpSpPr>
+          <a:xfrm>
+            <a:off x="3177988" y="1103797"/>
+            <a:ext cx="762000" cy="992832"/>
+            <a:chOff x="3177988" y="1219213"/>
+            <a:chExt cx="762000" cy="992832"/>
+          </a:xfrm>
+        </p:grpSpPr>
+        <p:pic>
+          <p:nvPicPr>
+            <p:cNvPr id="4" name="Graphic 5">
+              <a:extLst>
+                <a:ext uri="{FF2B5EF4-FFF2-40B4-BE49-F238E27FC236}">
+                  <a16:creationId xmlns:a16="http://schemas.microsoft.com/office/drawing/2014/main" id="{BA5AA6C5-F697-418C-8D7B-A97215000B8F}"/>
+                </a:ext>
+              </a:extLst>
+            </p:cNvPr>
+            <p:cNvPicPr>
+              <a:picLocks noChangeAspect="1" noChangeArrowheads="1"/>
+            </p:cNvPicPr>
+            <p:nvPr/>
+          </p:nvPicPr>
+          <p:blipFill>
+            <a:blip r:embed="rId2">
+              <a:extLst>
+                <a:ext uri="{28A0092B-C50C-407E-A947-70E740481C1C}">
+                  <a14:useLocalDpi xmlns:a14="http://schemas.microsoft.com/office/drawing/2010/main" val="0"/>
+                </a:ext>
+              </a:extLst>
+            </a:blip>
+            <a:srcRect/>
+            <a:stretch>
+              <a:fillRect/>
+            </a:stretch>
+          </p:blipFill>
+          <p:spPr bwMode="auto">
+            <a:xfrm>
+              <a:off x="3177988" y="1219213"/>
+              <a:ext cx="762000" cy="762000"/>
+            </a:xfrm>
+            <a:prstGeom prst="rect">
+              <a:avLst/>
+            </a:prstGeom>
+            <a:noFill/>
+            <a:ln>
+              <a:noFill/>
+            </a:ln>
+            <a:extLst>
+              <a:ext uri="{909E8E84-426E-40DD-AFC4-6F175D3DCCD1}">
+                <a14:hiddenFill xmlns:a14="http://schemas.microsoft.com/office/drawing/2010/main">
+                  <a:solidFill>
+                    <a:srgbClr val="FFFFFF"/>
+                  </a:solidFill>
+                </a14:hiddenFill>
+              </a:ext>
+              <a:ext uri="{91240B29-F687-4F45-9708-019B960494DF}">
+                <a14:hiddenLine xmlns:a14="http://schemas.microsoft.com/office/drawing/2010/main" w="9525">
+                  <a:solidFill>
+                    <a:srgbClr val="000000"/>
+                  </a:solidFill>
+                  <a:miter lim="800000"/>
+                  <a:headEnd/>
+                  <a:tailEnd/>
+                </a14:hiddenLine>
+              </a:ext>
+            </a:extLst>
+          </p:spPr>
+        </p:pic>
+        <p:sp>
+          <p:nvSpPr>
+            <p:cNvPr id="5" name="TextBox 6">
+              <a:extLst>
+                <a:ext uri="{FF2B5EF4-FFF2-40B4-BE49-F238E27FC236}">
+                  <a16:creationId xmlns:a16="http://schemas.microsoft.com/office/drawing/2014/main" id="{07B4AA8E-9108-48EF-9944-94D35EBAF59F}"/>
+                </a:ext>
+              </a:extLst>
+            </p:cNvPr>
+            <p:cNvSpPr txBox="1">
+              <a:spLocks noChangeArrowheads="1"/>
+            </p:cNvSpPr>
+            <p:nvPr/>
+          </p:nvSpPr>
+          <p:spPr bwMode="auto">
+            <a:xfrm>
+              <a:off x="3177988" y="1981213"/>
+              <a:ext cx="762000" cy="230832"/>
+            </a:xfrm>
+            <a:prstGeom prst="rect">
+              <a:avLst/>
+            </a:prstGeom>
+            <a:noFill/>
+            <a:ln>
+              <a:noFill/>
+            </a:ln>
+            <a:extLst>
+              <a:ext uri="{909E8E84-426E-40DD-AFC4-6F175D3DCCD1}">
+                <a14:hiddenFill xmlns:a14="http://schemas.microsoft.com/office/drawing/2010/main">
+                  <a:solidFill>
+                    <a:srgbClr val="FFFFFF"/>
+                  </a:solidFill>
+                </a14:hiddenFill>
+              </a:ext>
+              <a:ext uri="{91240B29-F687-4F45-9708-019B960494DF}">
+                <a14:hiddenLine xmlns:a14="http://schemas.microsoft.com/office/drawing/2010/main" w="9525">
+                  <a:solidFill>
+                    <a:srgbClr val="000000"/>
+                  </a:solidFill>
+                  <a:miter lim="800000"/>
+                  <a:headEnd/>
+                  <a:tailEnd/>
+                </a14:hiddenLine>
+              </a:ext>
+            </a:extLst>
+          </p:spPr>
+          <p:txBody>
+            <a:bodyPr wrap="square">
+              <a:spAutoFit/>
+            </a:bodyPr>
+            <a:lstStyle>
+              <a:lvl1pPr>
+                <a:defRPr>
+                  <a:solidFill>
+                    <a:schemeClr val="tx1"/>
+                  </a:solidFill>
+                  <a:latin typeface="Calibri" panose="020F0502020204030204" pitchFamily="34" charset="0"/>
+                </a:defRPr>
+              </a:lvl1pPr>
+              <a:lvl2pPr marL="742950" indent="-285750">
+                <a:defRPr>
+                  <a:solidFill>
+                    <a:schemeClr val="tx1"/>
+                  </a:solidFill>
+                  <a:latin typeface="Calibri" panose="020F0502020204030204" pitchFamily="34" charset="0"/>
+                </a:defRPr>
+              </a:lvl2pPr>
+              <a:lvl3pPr marL="1143000" indent="-228600">
+                <a:defRPr>
+                  <a:solidFill>
+                    <a:schemeClr val="tx1"/>
+                  </a:solidFill>
+                  <a:latin typeface="Calibri" panose="020F0502020204030204" pitchFamily="34" charset="0"/>
+                </a:defRPr>
+              </a:lvl3pPr>
+              <a:lvl4pPr marL="1600200" indent="-228600">
+                <a:defRPr>
+                  <a:solidFill>
+                    <a:schemeClr val="tx1"/>
+                  </a:solidFill>
+                  <a:latin typeface="Calibri" panose="020F0502020204030204" pitchFamily="34" charset="0"/>
+                </a:defRPr>
+              </a:lvl4pPr>
+              <a:lvl5pPr marL="2057400" indent="-228600">
+                <a:defRPr>
+                  <a:solidFill>
+                    <a:schemeClr val="tx1"/>
+                  </a:solidFill>
+                  <a:latin typeface="Calibri" panose="020F0502020204030204" pitchFamily="34" charset="0"/>
+                </a:defRPr>
+              </a:lvl5pPr>
+              <a:lvl6pPr marL="2514600" indent="-228600" eaLnBrk="0" fontAlgn="base" hangingPunct="0">
+                <a:spcBef>
+                  <a:spcPct val="0"/>
+                </a:spcBef>
+                <a:spcAft>
+                  <a:spcPct val="0"/>
+                </a:spcAft>
+                <a:defRPr>
+                  <a:solidFill>
+                    <a:schemeClr val="tx1"/>
+                  </a:solidFill>
+                  <a:latin typeface="Calibri" panose="020F0502020204030204" pitchFamily="34" charset="0"/>
+                </a:defRPr>
+              </a:lvl6pPr>
+              <a:lvl7pPr marL="2971800" indent="-228600" eaLnBrk="0" fontAlgn="base" hangingPunct="0">
+                <a:spcBef>
+                  <a:spcPct val="0"/>
+                </a:spcBef>
+                <a:spcAft>
+                  <a:spcPct val="0"/>
+                </a:spcAft>
+                <a:defRPr>
+                  <a:solidFill>
+                    <a:schemeClr val="tx1"/>
+                  </a:solidFill>
+                  <a:latin typeface="Calibri" panose="020F0502020204030204" pitchFamily="34" charset="0"/>
+                </a:defRPr>
+              </a:lvl7pPr>
+              <a:lvl8pPr marL="3429000" indent="-228600" eaLnBrk="0" fontAlgn="base" hangingPunct="0">
+                <a:spcBef>
+                  <a:spcPct val="0"/>
+                </a:spcBef>
+                <a:spcAft>
+                  <a:spcPct val="0"/>
+                </a:spcAft>
+                <a:defRPr>
+                  <a:solidFill>
+                    <a:schemeClr val="tx1"/>
+                  </a:solidFill>
+                  <a:latin typeface="Calibri" panose="020F0502020204030204" pitchFamily="34" charset="0"/>
+                </a:defRPr>
+              </a:lvl8pPr>
+              <a:lvl9pPr marL="3886200" indent="-228600" eaLnBrk="0" fontAlgn="base" hangingPunct="0">
+                <a:spcBef>
+                  <a:spcPct val="0"/>
+                </a:spcBef>
+                <a:spcAft>
+                  <a:spcPct val="0"/>
+                </a:spcAft>
+                <a:defRPr>
+                  <a:solidFill>
+                    <a:schemeClr val="tx1"/>
+                  </a:solidFill>
+                  <a:latin typeface="Calibri" panose="020F0502020204030204" pitchFamily="34" charset="0"/>
+                </a:defRPr>
+              </a:lvl9pPr>
+            </a:lstStyle>
+            <a:p>
+              <a:pPr algn="ctr" eaLnBrk="1" hangingPunct="1"/>
+              <a:r>
+                <a:rPr lang="en-US" altLang="en-US" sz="900" dirty="0">
+                  <a:latin typeface="Segoe UI" panose="020B0502040204020203" pitchFamily="34" charset="0"/>
+                  <a:ea typeface="Amazon Ember" panose="020B0603020204020204" pitchFamily="34" charset="0"/>
+                  <a:cs typeface="Segoe UI" panose="020B0502040204020203" pitchFamily="34" charset="0"/>
+                </a:rPr>
+                <a:t>EC2</a:t>
+              </a:r>
+            </a:p>
+          </p:txBody>
+        </p:sp>
+      </p:grpSp>
+      <p:pic>
+        <p:nvPicPr>
+          <p:cNvPr id="8" name="Graphic 14">
+            <a:extLst>
+              <a:ext uri="{FF2B5EF4-FFF2-40B4-BE49-F238E27FC236}">
+                <a16:creationId xmlns:a16="http://schemas.microsoft.com/office/drawing/2014/main" id="{BA762976-E03D-450A-9F67-28FB6727199D}"/>
+              </a:ext>
+            </a:extLst>
+          </p:cNvPr>
+          <p:cNvPicPr>
+            <a:picLocks noChangeAspect="1" noChangeArrowheads="1"/>
+          </p:cNvPicPr>
+          <p:nvPr/>
+        </p:nvPicPr>
+        <p:blipFill>
+          <a:blip r:embed="rId3">
+            <a:extLst>
+              <a:ext uri="{28A0092B-C50C-407E-A947-70E740481C1C}">
+                <a14:useLocalDpi xmlns:a14="http://schemas.microsoft.com/office/drawing/2010/main" val="0"/>
+              </a:ext>
+            </a:extLst>
+          </a:blip>
+          <a:srcRect/>
+          <a:stretch>
+            <a:fillRect/>
+          </a:stretch>
+        </p:blipFill>
+        <p:spPr bwMode="auto">
+          <a:xfrm>
+            <a:off x="6096000" y="977153"/>
+            <a:ext cx="457200" cy="457200"/>
+          </a:xfrm>
+          <a:prstGeom prst="rect">
+            <a:avLst/>
+          </a:prstGeom>
+          <a:noFill/>
+          <a:ln>
+            <a:noFill/>
+          </a:ln>
+          <a:extLst>
+            <a:ext uri="{909E8E84-426E-40DD-AFC4-6F175D3DCCD1}">
+              <a14:hiddenFill xmlns:a14="http://schemas.microsoft.com/office/drawing/2010/main">
+                <a:solidFill>
+                  <a:srgbClr val="FFFFFF"/>
+                </a:solidFill>
+              </a14:hiddenFill>
+            </a:ext>
+            <a:ext uri="{91240B29-F687-4F45-9708-019B960494DF}">
+              <a14:hiddenLine xmlns:a14="http://schemas.microsoft.com/office/drawing/2010/main" w="9525">
+                <a:solidFill>
+                  <a:srgbClr val="000000"/>
+                </a:solidFill>
+                <a:miter lim="800000"/>
+                <a:headEnd/>
+                <a:tailEnd/>
+              </a14:hiddenLine>
+            </a:ext>
+          </a:extLst>
+        </p:spPr>
+      </p:pic>
+      <p:sp>
+        <p:nvSpPr>
+          <p:cNvPr id="9" name="Arrow: Right 8">
+            <a:extLst>
+              <a:ext uri="{FF2B5EF4-FFF2-40B4-BE49-F238E27FC236}">
+                <a16:creationId xmlns:a16="http://schemas.microsoft.com/office/drawing/2014/main" id="{289095E8-9C69-466B-B2B5-8F8912B01F1C}"/>
+              </a:ext>
+            </a:extLst>
+          </p:cNvPr>
+          <p:cNvSpPr/>
+          <p:nvPr/>
+        </p:nvSpPr>
+        <p:spPr>
+          <a:xfrm>
+            <a:off x="4572000" y="977153"/>
+            <a:ext cx="1443318" cy="457200"/>
+          </a:xfrm>
+          <a:prstGeom prst="rightArrow">
+            <a:avLst/>
+          </a:prstGeom>
+          <a:solidFill>
+            <a:srgbClr val="E3750E"/>
+          </a:solidFill>
+        </p:spPr>
+        <p:style>
+          <a:lnRef idx="2">
+            <a:schemeClr val="accent1">
+              <a:shade val="50000"/>
+            </a:schemeClr>
+          </a:lnRef>
+          <a:fillRef idx="1">
+            <a:schemeClr val="accent1"/>
+          </a:fillRef>
+          <a:effectRef idx="0">
+            <a:schemeClr val="accent1"/>
+          </a:effectRef>
+          <a:fontRef idx="minor">
+            <a:schemeClr val="lt1"/>
+          </a:fontRef>
+        </p:style>
+        <p:txBody>
+          <a:bodyPr rtlCol="0" anchor="ctr"/>
+          <a:lstStyle/>
+          <a:p>
+            <a:pPr algn="ctr"/>
+            <a:r>
+              <a:rPr lang="en-GB" sz="1200" dirty="0"/>
+              <a:t>Create AMI</a:t>
+            </a:r>
+          </a:p>
+        </p:txBody>
+      </p:sp>
+      <p:sp>
+        <p:nvSpPr>
+          <p:cNvPr id="10" name="TextBox 6">
+            <a:extLst>
+              <a:ext uri="{FF2B5EF4-FFF2-40B4-BE49-F238E27FC236}">
+                <a16:creationId xmlns:a16="http://schemas.microsoft.com/office/drawing/2014/main" id="{2CA46FA3-6718-4F40-93DC-0447D4F5B01E}"/>
+              </a:ext>
+            </a:extLst>
+          </p:cNvPr>
+          <p:cNvSpPr txBox="1">
+            <a:spLocks noChangeArrowheads="1"/>
+          </p:cNvSpPr>
+          <p:nvPr/>
+        </p:nvSpPr>
+        <p:spPr bwMode="auto">
+          <a:xfrm>
+            <a:off x="5943600" y="1425415"/>
+            <a:ext cx="762000" cy="230832"/>
+          </a:xfrm>
+          <a:prstGeom prst="rect">
+            <a:avLst/>
+          </a:prstGeom>
+          <a:noFill/>
+          <a:ln>
+            <a:noFill/>
+          </a:ln>
+          <a:extLst>
+            <a:ext uri="{909E8E84-426E-40DD-AFC4-6F175D3DCCD1}">
+              <a14:hiddenFill xmlns:a14="http://schemas.microsoft.com/office/drawing/2010/main">
+                <a:solidFill>
+                  <a:srgbClr val="FFFFFF"/>
+                </a:solidFill>
+              </a14:hiddenFill>
+            </a:ext>
+            <a:ext uri="{91240B29-F687-4F45-9708-019B960494DF}">
+              <a14:hiddenLine xmlns:a14="http://schemas.microsoft.com/office/drawing/2010/main" w="9525">
+                <a:solidFill>
+                  <a:srgbClr val="000000"/>
+                </a:solidFill>
+                <a:miter lim="800000"/>
+                <a:headEnd/>
+                <a:tailEnd/>
+              </a14:hiddenLine>
+            </a:ext>
+          </a:extLst>
+        </p:spPr>
+        <p:txBody>
+          <a:bodyPr wrap="square">
+            <a:spAutoFit/>
+          </a:bodyPr>
+          <a:lstStyle>
+            <a:lvl1pPr>
+              <a:defRPr>
+                <a:solidFill>
+                  <a:schemeClr val="tx1"/>
+                </a:solidFill>
+                <a:latin typeface="Calibri" panose="020F0502020204030204" pitchFamily="34" charset="0"/>
+              </a:defRPr>
+            </a:lvl1pPr>
+            <a:lvl2pPr marL="742950" indent="-285750">
+              <a:defRPr>
+                <a:solidFill>
+                  <a:schemeClr val="tx1"/>
+                </a:solidFill>
+                <a:latin typeface="Calibri" panose="020F0502020204030204" pitchFamily="34" charset="0"/>
+              </a:defRPr>
+            </a:lvl2pPr>
+            <a:lvl3pPr marL="1143000" indent="-228600">
+              <a:defRPr>
+                <a:solidFill>
+                  <a:schemeClr val="tx1"/>
+                </a:solidFill>
+                <a:latin typeface="Calibri" panose="020F0502020204030204" pitchFamily="34" charset="0"/>
+              </a:defRPr>
+            </a:lvl3pPr>
+            <a:lvl4pPr marL="1600200" indent="-228600">
+              <a:defRPr>
+                <a:solidFill>
+                  <a:schemeClr val="tx1"/>
+                </a:solidFill>
+                <a:latin typeface="Calibri" panose="020F0502020204030204" pitchFamily="34" charset="0"/>
+              </a:defRPr>
+            </a:lvl4pPr>
+            <a:lvl5pPr marL="2057400" indent="-228600">
+              <a:defRPr>
+                <a:solidFill>
+                  <a:schemeClr val="tx1"/>
+                </a:solidFill>
+                <a:latin typeface="Calibri" panose="020F0502020204030204" pitchFamily="34" charset="0"/>
+              </a:defRPr>
+            </a:lvl5pPr>
+            <a:lvl6pPr marL="2514600" indent="-228600" eaLnBrk="0" fontAlgn="base" hangingPunct="0">
+              <a:spcBef>
+                <a:spcPct val="0"/>
+              </a:spcBef>
+              <a:spcAft>
+                <a:spcPct val="0"/>
+              </a:spcAft>
+              <a:defRPr>
+                <a:solidFill>
+                  <a:schemeClr val="tx1"/>
+                </a:solidFill>
+                <a:latin typeface="Calibri" panose="020F0502020204030204" pitchFamily="34" charset="0"/>
+              </a:defRPr>
+            </a:lvl6pPr>
+            <a:lvl7pPr marL="2971800" indent="-228600" eaLnBrk="0" fontAlgn="base" hangingPunct="0">
+              <a:spcBef>
+                <a:spcPct val="0"/>
+              </a:spcBef>
+              <a:spcAft>
+                <a:spcPct val="0"/>
+              </a:spcAft>
+              <a:defRPr>
+                <a:solidFill>
+                  <a:schemeClr val="tx1"/>
+                </a:solidFill>
+                <a:latin typeface="Calibri" panose="020F0502020204030204" pitchFamily="34" charset="0"/>
+              </a:defRPr>
+            </a:lvl7pPr>
+            <a:lvl8pPr marL="3429000" indent="-228600" eaLnBrk="0" fontAlgn="base" hangingPunct="0">
+              <a:spcBef>
+                <a:spcPct val="0"/>
+              </a:spcBef>
+              <a:spcAft>
+                <a:spcPct val="0"/>
+              </a:spcAft>
+              <a:defRPr>
+                <a:solidFill>
+                  <a:schemeClr val="tx1"/>
+                </a:solidFill>
+                <a:latin typeface="Calibri" panose="020F0502020204030204" pitchFamily="34" charset="0"/>
+              </a:defRPr>
+            </a:lvl8pPr>
+            <a:lvl9pPr marL="3886200" indent="-228600" eaLnBrk="0" fontAlgn="base" hangingPunct="0">
+              <a:spcBef>
+                <a:spcPct val="0"/>
+              </a:spcBef>
+              <a:spcAft>
+                <a:spcPct val="0"/>
+              </a:spcAft>
+              <a:defRPr>
+                <a:solidFill>
+                  <a:schemeClr val="tx1"/>
+                </a:solidFill>
+                <a:latin typeface="Calibri" panose="020F0502020204030204" pitchFamily="34" charset="0"/>
+              </a:defRPr>
+            </a:lvl9pPr>
+          </a:lstStyle>
+          <a:p>
+            <a:pPr algn="ctr" eaLnBrk="1" hangingPunct="1"/>
+            <a:r>
+              <a:rPr lang="en-US" altLang="en-US" sz="900" dirty="0">
+                <a:latin typeface="Segoe UI" panose="020B0502040204020203" pitchFamily="34" charset="0"/>
+                <a:ea typeface="Amazon Ember" panose="020B0603020204020204" pitchFamily="34" charset="0"/>
+                <a:cs typeface="Segoe UI" panose="020B0502040204020203" pitchFamily="34" charset="0"/>
+              </a:rPr>
+              <a:t>AMI</a:t>
+            </a:r>
+          </a:p>
+        </p:txBody>
+      </p:sp>
+    </p:spTree>
+    <p:extLst>
+      <p:ext uri="{BB962C8B-B14F-4D97-AF65-F5344CB8AC3E}">
+        <p14:creationId xmlns:p14="http://schemas.microsoft.com/office/powerpoint/2010/main" val="1923850095"/>
+      </p:ext>
+    </p:extLst>
+  </p:cSld>
+  <p:clrMapOvr>
+    <a:masterClrMapping/>
+  </p:clrMapOvr>
+</p:sld>
+</file>
+
 <file path=ppt/theme/theme1.xml><?xml version="1.0" encoding="utf-8"?>
 <a:theme xmlns:a="http://schemas.openxmlformats.org/drawingml/2006/main" name="Office Theme">
   <a:themeElements>
